--- a/Projet Park-King.pptx
+++ b/Projet Park-King.pptx
@@ -10419,7 +10419,12 @@
             <p:ph type="ctrTitle"/>
           </p:nvPr>
         </p:nvSpPr>
-        <p:spPr/>
+        <p:spPr>
+          <a:xfrm>
+            <a:off x="1066800" y="2636912"/>
+            <a:ext cx="10058400" cy="1711037"/>
+          </a:xfrm>
+        </p:spPr>
         <p:txBody>
           <a:bodyPr rtlCol="0"/>
           <a:lstStyle/>
@@ -10459,15 +10464,32 @@
             <p:ph type="subTitle" idx="1"/>
           </p:nvPr>
         </p:nvSpPr>
-        <p:spPr/>
+        <p:spPr>
+          <a:xfrm>
+            <a:off x="1095692" y="4725144"/>
+            <a:ext cx="10058400" cy="864096"/>
+          </a:xfrm>
+        </p:spPr>
         <p:txBody>
-          <a:bodyPr rtlCol="0"/>
+          <a:bodyPr rtlCol="0">
+            <a:normAutofit fontScale="92500" lnSpcReduction="10000"/>
+          </a:bodyPr>
           <a:lstStyle/>
           <a:p>
             <a:pPr rtl="0"/>
             <a:r>
               <a:rPr lang="fr-FR" dirty="0" smtClean="0"/>
               <a:t>PTUT L3 MIASHS 2018</a:t>
+            </a:r>
+          </a:p>
+          <a:p>
+            <a:pPr rtl="0"/>
+            <a:endParaRPr lang="fr-FR" dirty="0" smtClean="0"/>
+          </a:p>
+          <a:p>
+            <a:r>
+              <a:rPr lang="fr-FR" dirty="0"/>
+              <a:t>Yoann GATHIGNOL, Clarisse LOU, Arnaud SIBADE</a:t>
             </a:r>
             <a:endParaRPr lang="fr-FR" dirty="0"/>
           </a:p>
@@ -10742,7 +10764,7 @@
             <a:pPr rtl="0"/>
             <a:r>
               <a:rPr lang="fr-FR" dirty="0" smtClean="0"/>
-              <a:t>Disposition de titre et de contenu avec liste</a:t>
+              <a:t>Plan de la présentation</a:t>
             </a:r>
             <a:endParaRPr lang="fr-FR" dirty="0"/>
           </a:p>
@@ -10766,21 +10788,23 @@
             <a:pPr rtl="0"/>
             <a:r>
               <a:rPr lang="fr-FR" dirty="0" smtClean="0"/>
-              <a:t>Ajouter votre premier point ici</a:t>
+              <a:t>Début	</a:t>
             </a:r>
+            <a:endParaRPr lang="fr-FR" dirty="0" smtClean="0"/>
           </a:p>
           <a:p>
             <a:pPr rtl="0"/>
             <a:r>
               <a:rPr lang="fr-FR" dirty="0" smtClean="0"/>
-              <a:t>Ajouter votre deuxième point ici</a:t>
+              <a:t>Milieu</a:t>
             </a:r>
+            <a:endParaRPr lang="fr-FR" dirty="0" smtClean="0"/>
           </a:p>
           <a:p>
             <a:pPr rtl="0"/>
             <a:r>
               <a:rPr lang="fr-FR" dirty="0" smtClean="0"/>
-              <a:t>Ajouter votre troisième point ici</a:t>
+              <a:t>Fin</a:t>
             </a:r>
             <a:endParaRPr lang="fr-FR" dirty="0"/>
           </a:p>
